--- a/Plots.pptx
+++ b/Plots.pptx
@@ -3786,7 +3786,7 @@
       </p:grpSpPr>
       <p:pic>
         <p:nvPicPr>
-          <p:cNvPr id="9" name="Content Placeholder 8" descr="Graphical user interface, application&#10;&#10;Description automatically generated">
+          <p:cNvPr id="9" name="Content Placeholder 8">
             <a:extLst>
               <a:ext uri="{FF2B5EF4-FFF2-40B4-BE49-F238E27FC236}">
                 <a16:creationId xmlns:a16="http://schemas.microsoft.com/office/drawing/2014/main" id="{88670F70-BC2D-8F4C-B9EC-63F971C2192C}"/>
@@ -3802,14 +3802,13 @@
         </p:nvPicPr>
         <p:blipFill>
           <a:blip r:embed="rId2"/>
-          <a:stretch>
-            <a:fillRect/>
-          </a:stretch>
+          <a:srcRect/>
+          <a:stretch/>
         </p:blipFill>
         <p:spPr>
           <a:xfrm>
-            <a:off x="779923" y="833789"/>
-            <a:ext cx="8519575" cy="4351338"/>
+            <a:off x="779923" y="1016890"/>
+            <a:ext cx="8519575" cy="3985136"/>
           </a:xfrm>
         </p:spPr>
       </p:pic>
@@ -3828,9 +3827,9 @@
         <p:grpSpPr>
           <a:xfrm>
             <a:off x="5039710" y="2792"/>
-            <a:ext cx="6727371" cy="1788507"/>
+            <a:ext cx="6727371" cy="1621056"/>
             <a:chOff x="4060371" y="474405"/>
-            <a:chExt cx="6727371" cy="1788507"/>
+            <a:chExt cx="6727371" cy="1621056"/>
           </a:xfrm>
         </p:grpSpPr>
         <p:sp>
@@ -3888,8 +3887,8 @@
           </p:nvCxnSpPr>
           <p:spPr>
             <a:xfrm flipH="1">
-              <a:off x="4992417" y="1305402"/>
-              <a:ext cx="2242078" cy="957510"/>
+              <a:off x="5090385" y="1305402"/>
+              <a:ext cx="2144110" cy="790059"/>
             </a:xfrm>
             <a:prstGeom prst="straightConnector1">
               <a:avLst/>
@@ -3933,8 +3932,8 @@
         </p:nvCxnSpPr>
         <p:spPr>
           <a:xfrm flipH="1">
-            <a:off x="8107093" y="2326258"/>
-            <a:ext cx="1617464" cy="839085"/>
+            <a:off x="8213834" y="2326258"/>
+            <a:ext cx="1510723" cy="524018"/>
           </a:xfrm>
           <a:prstGeom prst="straightConnector1">
             <a:avLst/>
@@ -4017,8 +4016,8 @@
         </p:nvCxnSpPr>
         <p:spPr>
           <a:xfrm flipH="1" flipV="1">
-            <a:off x="8107093" y="3733126"/>
-            <a:ext cx="1617464" cy="603466"/>
+            <a:off x="6148552" y="3515710"/>
+            <a:ext cx="3576005" cy="820882"/>
           </a:xfrm>
           <a:prstGeom prst="straightConnector1">
             <a:avLst/>
@@ -4100,8 +4099,8 @@
         </p:nvCxnSpPr>
         <p:spPr>
           <a:xfrm flipH="1" flipV="1">
-            <a:off x="5359767" y="3984798"/>
-            <a:ext cx="1104095" cy="1028475"/>
+            <a:off x="5422310" y="3846786"/>
+            <a:ext cx="1041553" cy="1166488"/>
           </a:xfrm>
           <a:prstGeom prst="straightConnector1">
             <a:avLst/>
